--- a/what-is-a-micro-bit.pptx
+++ b/what-is-a-micro-bit.pptx
@@ -5,10 +5,10 @@
     <p:sldMasterId id="2147483664" r:id="rId1"/>
   </p:sldMasterIdLst>
   <p:notesMasterIdLst>
-    <p:notesMasterId r:id="rId14"/>
+    <p:notesMasterId r:id="rId15"/>
   </p:notesMasterIdLst>
   <p:handoutMasterIdLst>
-    <p:handoutMasterId r:id="rId15"/>
+    <p:handoutMasterId r:id="rId16"/>
   </p:handoutMasterIdLst>
   <p:sldIdLst>
     <p:sldId id="267" r:id="rId2"/>
@@ -22,7 +22,8 @@
     <p:sldId id="375" r:id="rId10"/>
     <p:sldId id="379" r:id="rId11"/>
     <p:sldId id="382" r:id="rId12"/>
-    <p:sldId id="381" r:id="rId13"/>
+    <p:sldId id="383" r:id="rId13"/>
+    <p:sldId id="381" r:id="rId14"/>
   </p:sldIdLst>
   <p:sldSz cx="12192000" cy="6858000"/>
   <p:notesSz cx="6858000" cy="9144000"/>
@@ -137,6 +138,7 @@
             <p14:sldId id="375"/>
             <p14:sldId id="379"/>
             <p14:sldId id="382"/>
+            <p14:sldId id="383"/>
             <p14:sldId id="381"/>
           </p14:sldIdLst>
         </p14:section>
@@ -234,7 +236,7 @@
           <a:p>
             <a:fld id="{A0D83CE4-BAFB-41A6-97D4-FA7916DA3BB5}" type="datetimeFigureOut">
               <a:rPr lang="en-US" smtClean="0"/>
-              <a:t>1/24/2018</a:t>
+              <a:t>3/14/2018</a:t>
             </a:fld>
             <a:endParaRPr lang="en-US"/>
           </a:p>
@@ -399,7 +401,7 @@
           <a:p>
             <a:fld id="{88623304-FC45-43E3-861E-17CE13252E52}" type="datetimeFigureOut">
               <a:rPr lang="en-US" smtClean="0"/>
-              <a:t>1/24/2018</a:t>
+              <a:t>3/14/2018</a:t>
             </a:fld>
             <a:endParaRPr lang="en-US"/>
           </a:p>
@@ -992,6 +994,90 @@
     </p:spTree>
     <p:extLst>
       <p:ext uri="{BB962C8B-B14F-4D97-AF65-F5344CB8AC3E}">
+        <p14:creationId xmlns:p14="http://schemas.microsoft.com/office/powerpoint/2010/main" val="1376214422"/>
+      </p:ext>
+    </p:extLst>
+  </p:cSld>
+  <p:clrMapOvr>
+    <a:masterClrMapping/>
+  </p:clrMapOvr>
+</p:notes>
+</file>
+
+<file path=ppt/notesSlides/notesSlide13.xml><?xml version="1.0" encoding="utf-8"?>
+<p:notes xmlns:a="http://schemas.openxmlformats.org/drawingml/2006/main" xmlns:r="http://schemas.openxmlformats.org/officeDocument/2006/relationships" xmlns:p="http://schemas.openxmlformats.org/presentationml/2006/main">
+  <p:cSld>
+    <p:spTree>
+      <p:nvGrpSpPr>
+        <p:cNvPr id="1" name=""/>
+        <p:cNvGrpSpPr/>
+        <p:nvPr/>
+      </p:nvGrpSpPr>
+      <p:grpSpPr>
+        <a:xfrm>
+          <a:off x="0" y="0"/>
+          <a:ext cx="0" cy="0"/>
+          <a:chOff x="0" y="0"/>
+          <a:chExt cx="0" cy="0"/>
+        </a:xfrm>
+      </p:grpSpPr>
+      <p:sp>
+        <p:nvSpPr>
+          <p:cNvPr id="2" name="Slide Image Placeholder 1"/>
+          <p:cNvSpPr>
+            <a:spLocks noGrp="1" noRot="1" noChangeAspect="1"/>
+          </p:cNvSpPr>
+          <p:nvPr>
+            <p:ph type="sldImg"/>
+          </p:nvPr>
+        </p:nvSpPr>
+        <p:spPr/>
+      </p:sp>
+      <p:sp>
+        <p:nvSpPr>
+          <p:cNvPr id="3" name="Notes Placeholder 2"/>
+          <p:cNvSpPr>
+            <a:spLocks noGrp="1"/>
+          </p:cNvSpPr>
+          <p:nvPr>
+            <p:ph type="body" idx="1"/>
+          </p:nvPr>
+        </p:nvSpPr>
+        <p:spPr/>
+        <p:txBody>
+          <a:bodyPr/>
+          <a:lstStyle/>
+          <a:p>
+            <a:endParaRPr lang="en-US"/>
+          </a:p>
+        </p:txBody>
+      </p:sp>
+      <p:sp>
+        <p:nvSpPr>
+          <p:cNvPr id="4" name="Slide Number Placeholder 3"/>
+          <p:cNvSpPr>
+            <a:spLocks noGrp="1"/>
+          </p:cNvSpPr>
+          <p:nvPr>
+            <p:ph type="sldNum" sz="quarter" idx="10"/>
+          </p:nvPr>
+        </p:nvSpPr>
+        <p:spPr/>
+        <p:txBody>
+          <a:bodyPr/>
+          <a:lstStyle/>
+          <a:p>
+            <a:fld id="{4FC2FA96-E043-47F1-B25A-65CD4606D510}" type="slidenum">
+              <a:rPr lang="en-US" smtClean="0"/>
+              <a:t>13</a:t>
+            </a:fld>
+            <a:endParaRPr lang="en-US"/>
+          </a:p>
+        </p:txBody>
+      </p:sp>
+    </p:spTree>
+    <p:extLst>
+      <p:ext uri="{BB962C8B-B14F-4D97-AF65-F5344CB8AC3E}">
         <p14:creationId xmlns:p14="http://schemas.microsoft.com/office/powerpoint/2010/main" val="2190088956"/>
       </p:ext>
     </p:extLst>
@@ -4112,7 +4198,7 @@
             <a:fld id="{49F3E739-D457-46E5-B626-C9B182A007EE}" type="datetimeFigureOut">
               <a:rPr lang="en-US" smtClean="0"/>
               <a:pPr/>
-              <a:t>1/24/2018</a:t>
+              <a:t>3/14/2018</a:t>
             </a:fld>
             <a:endParaRPr lang="en-US"/>
           </a:p>
@@ -4231,7 +4317,7 @@
             <a:fld id="{49F3E739-D457-46E5-B626-C9B182A007EE}" type="datetimeFigureOut">
               <a:rPr lang="en-US" smtClean="0"/>
               <a:pPr/>
-              <a:t>1/24/2018</a:t>
+              <a:t>3/14/2018</a:t>
             </a:fld>
             <a:endParaRPr lang="en-US"/>
           </a:p>
@@ -5198,6 +5284,103 @@
 </file>
 
 <file path=ppt/slides/slide12.xml><?xml version="1.0" encoding="utf-8"?>
+<p:sld xmlns:a="http://schemas.openxmlformats.org/drawingml/2006/main" xmlns:r="http://schemas.openxmlformats.org/officeDocument/2006/relationships" xmlns:p="http://schemas.openxmlformats.org/presentationml/2006/main">
+  <p:cSld>
+    <p:spTree>
+      <p:nvGrpSpPr>
+        <p:cNvPr id="1" name=""/>
+        <p:cNvGrpSpPr/>
+        <p:nvPr/>
+      </p:nvGrpSpPr>
+      <p:grpSpPr>
+        <a:xfrm>
+          <a:off x="0" y="0"/>
+          <a:ext cx="0" cy="0"/>
+          <a:chOff x="0" y="0"/>
+          <a:chExt cx="0" cy="0"/>
+        </a:xfrm>
+      </p:grpSpPr>
+      <p:sp>
+        <p:nvSpPr>
+          <p:cNvPr id="2" name="Title 1">
+            <a:extLst>
+              <a:ext uri="{FF2B5EF4-FFF2-40B4-BE49-F238E27FC236}">
+                <a16:creationId xmlns:a16="http://schemas.microsoft.com/office/drawing/2014/main" id="{9A4C9D66-BA52-4A3C-AD7E-2073C4F226C7}"/>
+              </a:ext>
+            </a:extLst>
+          </p:cNvPr>
+          <p:cNvSpPr>
+            <a:spLocks noGrp="1"/>
+          </p:cNvSpPr>
+          <p:nvPr>
+            <p:ph type="title"/>
+          </p:nvPr>
+        </p:nvSpPr>
+        <p:spPr/>
+        <p:txBody>
+          <a:bodyPr/>
+          <a:lstStyle/>
+          <a:p>
+            <a:r>
+              <a:rPr lang="en-US" dirty="0"/>
+              <a:t>Why is Microsoft interested?</a:t>
+            </a:r>
+          </a:p>
+        </p:txBody>
+      </p:sp>
+      <p:sp>
+        <p:nvSpPr>
+          <p:cNvPr id="3" name="Text Placeholder 2">
+            <a:extLst>
+              <a:ext uri="{FF2B5EF4-FFF2-40B4-BE49-F238E27FC236}">
+                <a16:creationId xmlns:a16="http://schemas.microsoft.com/office/drawing/2014/main" id="{B389C15E-3ECA-4FD2-9294-0A87C71BF7BF}"/>
+              </a:ext>
+            </a:extLst>
+          </p:cNvPr>
+          <p:cNvSpPr>
+            <a:spLocks noGrp="1"/>
+          </p:cNvSpPr>
+          <p:nvPr>
+            <p:ph type="body" idx="1"/>
+          </p:nvPr>
+        </p:nvSpPr>
+        <p:spPr/>
+        <p:txBody>
+          <a:bodyPr/>
+          <a:lstStyle/>
+          <a:p>
+            <a:r>
+              <a:rPr lang="en-US" dirty="0"/>
+              <a:t>Software industry is facing a shortage of software engineers</a:t>
+            </a:r>
+          </a:p>
+          <a:p>
+            <a:r>
+              <a:rPr lang="en-US" dirty="0"/>
+              <a:t>Getting kids interest in programming at a young age </a:t>
+            </a:r>
+            <a:r>
+              <a:rPr lang="en-US"/>
+              <a:t>is key</a:t>
+            </a:r>
+            <a:endParaRPr lang="en-US" dirty="0"/>
+          </a:p>
+        </p:txBody>
+      </p:sp>
+    </p:spTree>
+    <p:extLst>
+      <p:ext uri="{BB962C8B-B14F-4D97-AF65-F5344CB8AC3E}">
+        <p14:creationId xmlns:p14="http://schemas.microsoft.com/office/powerpoint/2010/main" val="3136118957"/>
+      </p:ext>
+    </p:extLst>
+  </p:cSld>
+  <p:clrMapOvr>
+    <a:masterClrMapping/>
+  </p:clrMapOvr>
+</p:sld>
+</file>
+
+<file path=ppt/slides/slide13.xml><?xml version="1.0" encoding="utf-8"?>
 <p:sld xmlns:a="http://schemas.openxmlformats.org/drawingml/2006/main" xmlns:r="http://schemas.openxmlformats.org/officeDocument/2006/relationships" xmlns:p="http://schemas.openxmlformats.org/presentationml/2006/main">
   <p:cSld>
     <p:spTree>
